--- a/images/image_maker.pptx
+++ b/images/image_maker.pptx
@@ -11,6 +11,8 @@
     <p:sldId id="259" r:id="rId5"/>
     <p:sldId id="260" r:id="rId6"/>
     <p:sldId id="261" r:id="rId7"/>
+    <p:sldId id="262" r:id="rId8"/>
+    <p:sldId id="263" r:id="rId9"/>
   </p:sldIdLst>
   <p:sldSz cx="12192000" cy="6858000"/>
   <p:notesSz cx="6858000" cy="9144000"/>
@@ -109,6 +111,11 @@
       </a:defRPr>
     </a:lvl9pPr>
   </p:defaultTextStyle>
+  <p:extLst>
+    <p:ext uri="{EFAFB233-063F-42B5-8137-9DF3F51BA10A}">
+      <p15:sldGuideLst xmlns:p15="http://schemas.microsoft.com/office/powerpoint/2012/main"/>
+    </p:ext>
+  </p:extLst>
 </p:presentation>
 </file>
 
@@ -261,7 +268,7 @@
           <a:p>
             <a:fld id="{C4C33896-74DC-4DC9-8FFE-C8D9D6A25E64}" type="datetimeFigureOut">
               <a:rPr lang="en-SG" smtClean="0"/>
-              <a:t>7/11/2024</a:t>
+              <a:t>26/11/2024</a:t>
             </a:fld>
             <a:endParaRPr lang="en-SG"/>
           </a:p>
@@ -461,7 +468,7 @@
           <a:p>
             <a:fld id="{C4C33896-74DC-4DC9-8FFE-C8D9D6A25E64}" type="datetimeFigureOut">
               <a:rPr lang="en-SG" smtClean="0"/>
-              <a:t>7/11/2024</a:t>
+              <a:t>26/11/2024</a:t>
             </a:fld>
             <a:endParaRPr lang="en-SG"/>
           </a:p>
@@ -671,7 +678,7 @@
           <a:p>
             <a:fld id="{C4C33896-74DC-4DC9-8FFE-C8D9D6A25E64}" type="datetimeFigureOut">
               <a:rPr lang="en-SG" smtClean="0"/>
-              <a:t>7/11/2024</a:t>
+              <a:t>26/11/2024</a:t>
             </a:fld>
             <a:endParaRPr lang="en-SG"/>
           </a:p>
@@ -871,7 +878,7 @@
           <a:p>
             <a:fld id="{C4C33896-74DC-4DC9-8FFE-C8D9D6A25E64}" type="datetimeFigureOut">
               <a:rPr lang="en-SG" smtClean="0"/>
-              <a:t>7/11/2024</a:t>
+              <a:t>26/11/2024</a:t>
             </a:fld>
             <a:endParaRPr lang="en-SG"/>
           </a:p>
@@ -1147,7 +1154,7 @@
           <a:p>
             <a:fld id="{C4C33896-74DC-4DC9-8FFE-C8D9D6A25E64}" type="datetimeFigureOut">
               <a:rPr lang="en-SG" smtClean="0"/>
-              <a:t>7/11/2024</a:t>
+              <a:t>26/11/2024</a:t>
             </a:fld>
             <a:endParaRPr lang="en-SG"/>
           </a:p>
@@ -1415,7 +1422,7 @@
           <a:p>
             <a:fld id="{C4C33896-74DC-4DC9-8FFE-C8D9D6A25E64}" type="datetimeFigureOut">
               <a:rPr lang="en-SG" smtClean="0"/>
-              <a:t>7/11/2024</a:t>
+              <a:t>26/11/2024</a:t>
             </a:fld>
             <a:endParaRPr lang="en-SG"/>
           </a:p>
@@ -1830,7 +1837,7 @@
           <a:p>
             <a:fld id="{C4C33896-74DC-4DC9-8FFE-C8D9D6A25E64}" type="datetimeFigureOut">
               <a:rPr lang="en-SG" smtClean="0"/>
-              <a:t>7/11/2024</a:t>
+              <a:t>26/11/2024</a:t>
             </a:fld>
             <a:endParaRPr lang="en-SG"/>
           </a:p>
@@ -1972,7 +1979,7 @@
           <a:p>
             <a:fld id="{C4C33896-74DC-4DC9-8FFE-C8D9D6A25E64}" type="datetimeFigureOut">
               <a:rPr lang="en-SG" smtClean="0"/>
-              <a:t>7/11/2024</a:t>
+              <a:t>26/11/2024</a:t>
             </a:fld>
             <a:endParaRPr lang="en-SG"/>
           </a:p>
@@ -2085,7 +2092,7 @@
           <a:p>
             <a:fld id="{C4C33896-74DC-4DC9-8FFE-C8D9D6A25E64}" type="datetimeFigureOut">
               <a:rPr lang="en-SG" smtClean="0"/>
-              <a:t>7/11/2024</a:t>
+              <a:t>26/11/2024</a:t>
             </a:fld>
             <a:endParaRPr lang="en-SG"/>
           </a:p>
@@ -2398,7 +2405,7 @@
           <a:p>
             <a:fld id="{C4C33896-74DC-4DC9-8FFE-C8D9D6A25E64}" type="datetimeFigureOut">
               <a:rPr lang="en-SG" smtClean="0"/>
-              <a:t>7/11/2024</a:t>
+              <a:t>26/11/2024</a:t>
             </a:fld>
             <a:endParaRPr lang="en-SG"/>
           </a:p>
@@ -2687,7 +2694,7 @@
           <a:p>
             <a:fld id="{C4C33896-74DC-4DC9-8FFE-C8D9D6A25E64}" type="datetimeFigureOut">
               <a:rPr lang="en-SG" smtClean="0"/>
-              <a:t>7/11/2024</a:t>
+              <a:t>26/11/2024</a:t>
             </a:fld>
             <a:endParaRPr lang="en-SG"/>
           </a:p>
@@ -2930,7 +2937,7 @@
           <a:p>
             <a:fld id="{C4C33896-74DC-4DC9-8FFE-C8D9D6A25E64}" type="datetimeFigureOut">
               <a:rPr lang="en-SG" smtClean="0"/>
-              <a:t>7/11/2024</a:t>
+              <a:t>26/11/2024</a:t>
             </a:fld>
             <a:endParaRPr lang="en-SG"/>
           </a:p>
@@ -4451,6 +4458,350 @@
 </p:sld>
 </file>
 
+<file path=ppt/slides/slide7.xml><?xml version="1.0" encoding="utf-8"?>
+<p:sld xmlns:a="http://schemas.openxmlformats.org/drawingml/2006/main" xmlns:r="http://schemas.openxmlformats.org/officeDocument/2006/relationships" xmlns:p="http://schemas.openxmlformats.org/presentationml/2006/main">
+  <p:cSld>
+    <p:spTree>
+      <p:nvGrpSpPr>
+        <p:cNvPr id="1" name=""/>
+        <p:cNvGrpSpPr/>
+        <p:nvPr/>
+      </p:nvGrpSpPr>
+      <p:grpSpPr>
+        <a:xfrm>
+          <a:off x="0" y="0"/>
+          <a:ext cx="0" cy="0"/>
+          <a:chOff x="0" y="0"/>
+          <a:chExt cx="0" cy="0"/>
+        </a:xfrm>
+      </p:grpSpPr>
+      <p:grpSp>
+        <p:nvGrpSpPr>
+          <p:cNvPr id="33" name="Group 32">
+            <a:extLst>
+              <a:ext uri="{FF2B5EF4-FFF2-40B4-BE49-F238E27FC236}">
+                <a16:creationId xmlns:a16="http://schemas.microsoft.com/office/drawing/2014/main" id="{A4556FEF-0E53-39A2-2437-DE9DBD79387D}"/>
+              </a:ext>
+            </a:extLst>
+          </p:cNvPr>
+          <p:cNvGrpSpPr/>
+          <p:nvPr/>
+        </p:nvGrpSpPr>
+        <p:grpSpPr>
+          <a:xfrm>
+            <a:off x="157326" y="1447187"/>
+            <a:ext cx="11365775" cy="4338653"/>
+            <a:chOff x="157326" y="1447187"/>
+            <a:chExt cx="11365775" cy="4338653"/>
+          </a:xfrm>
+        </p:grpSpPr>
+        <p:pic>
+          <p:nvPicPr>
+            <p:cNvPr id="5" name="Picture 4">
+              <a:extLst>
+                <a:ext uri="{FF2B5EF4-FFF2-40B4-BE49-F238E27FC236}">
+                  <a16:creationId xmlns:a16="http://schemas.microsoft.com/office/drawing/2014/main" id="{685714A5-DC3C-84B5-9DFB-57FBF0A5F5BE}"/>
+                </a:ext>
+              </a:extLst>
+            </p:cNvPr>
+            <p:cNvPicPr>
+              <a:picLocks noChangeAspect="1"/>
+            </p:cNvPicPr>
+            <p:nvPr/>
+          </p:nvPicPr>
+          <p:blipFill>
+            <a:blip r:embed="rId2">
+              <a:extLst>
+                <a:ext uri="{28A0092B-C50C-407E-A947-70E740481C1C}">
+                  <a14:useLocalDpi xmlns:a14="http://schemas.microsoft.com/office/drawing/2010/main" val="0"/>
+                </a:ext>
+              </a:extLst>
+            </a:blip>
+            <a:srcRect r="50089"/>
+            <a:stretch/>
+          </p:blipFill>
+          <p:spPr>
+            <a:xfrm>
+              <a:off x="216743" y="4458011"/>
+              <a:ext cx="5760423" cy="1315348"/>
+            </a:xfrm>
+            <a:prstGeom prst="rect">
+              <a:avLst/>
+            </a:prstGeom>
+          </p:spPr>
+        </p:pic>
+        <p:pic>
+          <p:nvPicPr>
+            <p:cNvPr id="22" name="Picture 21">
+              <a:extLst>
+                <a:ext uri="{FF2B5EF4-FFF2-40B4-BE49-F238E27FC236}">
+                  <a16:creationId xmlns:a16="http://schemas.microsoft.com/office/drawing/2014/main" id="{AEC420E6-2AE6-7168-D9EA-A0DDE41D0D90}"/>
+                </a:ext>
+              </a:extLst>
+            </p:cNvPr>
+            <p:cNvPicPr>
+              <a:picLocks noChangeAspect="1"/>
+            </p:cNvPicPr>
+            <p:nvPr/>
+          </p:nvPicPr>
+          <p:blipFill>
+            <a:blip r:embed="rId3"/>
+            <a:srcRect t="6485"/>
+            <a:stretch/>
+          </p:blipFill>
+          <p:spPr>
+            <a:xfrm>
+              <a:off x="157326" y="1887794"/>
+              <a:ext cx="5819841" cy="2442951"/>
+            </a:xfrm>
+            <a:prstGeom prst="rect">
+              <a:avLst/>
+            </a:prstGeom>
+          </p:spPr>
+        </p:pic>
+        <p:pic>
+          <p:nvPicPr>
+            <p:cNvPr id="26" name="Picture 25">
+              <a:extLst>
+                <a:ext uri="{FF2B5EF4-FFF2-40B4-BE49-F238E27FC236}">
+                  <a16:creationId xmlns:a16="http://schemas.microsoft.com/office/drawing/2014/main" id="{D2403AA2-5DDD-F5F9-0E79-1F4EB188820C}"/>
+                </a:ext>
+              </a:extLst>
+            </p:cNvPr>
+            <p:cNvPicPr>
+              <a:picLocks noChangeAspect="1"/>
+            </p:cNvPicPr>
+            <p:nvPr/>
+          </p:nvPicPr>
+          <p:blipFill>
+            <a:blip r:embed="rId4"/>
+            <a:stretch>
+              <a:fillRect/>
+            </a:stretch>
+          </p:blipFill>
+          <p:spPr>
+            <a:xfrm>
+              <a:off x="216743" y="1447187"/>
+              <a:ext cx="5760424" cy="325018"/>
+            </a:xfrm>
+            <a:prstGeom prst="rect">
+              <a:avLst/>
+            </a:prstGeom>
+          </p:spPr>
+        </p:pic>
+        <p:pic>
+          <p:nvPicPr>
+            <p:cNvPr id="30" name="Picture 29">
+              <a:extLst>
+                <a:ext uri="{FF2B5EF4-FFF2-40B4-BE49-F238E27FC236}">
+                  <a16:creationId xmlns:a16="http://schemas.microsoft.com/office/drawing/2014/main" id="{8B208CA6-E1C6-171D-6F0F-7D8B6878A652}"/>
+                </a:ext>
+              </a:extLst>
+            </p:cNvPr>
+            <p:cNvPicPr>
+              <a:picLocks noChangeAspect="1"/>
+            </p:cNvPicPr>
+            <p:nvPr/>
+          </p:nvPicPr>
+          <p:blipFill>
+            <a:blip r:embed="rId5"/>
+            <a:stretch>
+              <a:fillRect/>
+            </a:stretch>
+          </p:blipFill>
+          <p:spPr>
+            <a:xfrm>
+              <a:off x="6143509" y="1453472"/>
+              <a:ext cx="5379592" cy="318733"/>
+            </a:xfrm>
+            <a:prstGeom prst="rect">
+              <a:avLst/>
+            </a:prstGeom>
+          </p:spPr>
+        </p:pic>
+        <p:pic>
+          <p:nvPicPr>
+            <p:cNvPr id="32" name="Picture 31">
+              <a:extLst>
+                <a:ext uri="{FF2B5EF4-FFF2-40B4-BE49-F238E27FC236}">
+                  <a16:creationId xmlns:a16="http://schemas.microsoft.com/office/drawing/2014/main" id="{DAF77D1F-8DAA-8A7A-8338-91CFC4C126C7}"/>
+                </a:ext>
+              </a:extLst>
+            </p:cNvPr>
+            <p:cNvPicPr>
+              <a:picLocks noChangeAspect="1"/>
+            </p:cNvPicPr>
+            <p:nvPr/>
+          </p:nvPicPr>
+          <p:blipFill>
+            <a:blip r:embed="rId6"/>
+            <a:stretch>
+              <a:fillRect/>
+            </a:stretch>
+          </p:blipFill>
+          <p:spPr>
+            <a:xfrm>
+              <a:off x="6143508" y="1887794"/>
+              <a:ext cx="5379591" cy="3898046"/>
+            </a:xfrm>
+            <a:prstGeom prst="rect">
+              <a:avLst/>
+            </a:prstGeom>
+          </p:spPr>
+        </p:pic>
+      </p:grpSp>
+    </p:spTree>
+    <p:extLst>
+      <p:ext uri="{BB962C8B-B14F-4D97-AF65-F5344CB8AC3E}">
+        <p14:creationId xmlns:p14="http://schemas.microsoft.com/office/powerpoint/2010/main" val="4264360964"/>
+      </p:ext>
+    </p:extLst>
+  </p:cSld>
+  <p:clrMapOvr>
+    <a:masterClrMapping/>
+  </p:clrMapOvr>
+</p:sld>
+</file>
+
+<file path=ppt/slides/slide8.xml><?xml version="1.0" encoding="utf-8"?>
+<p:sld xmlns:a="http://schemas.openxmlformats.org/drawingml/2006/main" xmlns:r="http://schemas.openxmlformats.org/officeDocument/2006/relationships" xmlns:p="http://schemas.openxmlformats.org/presentationml/2006/main">
+  <p:cSld>
+    <p:spTree>
+      <p:nvGrpSpPr>
+        <p:cNvPr id="1" name=""/>
+        <p:cNvGrpSpPr/>
+        <p:nvPr/>
+      </p:nvGrpSpPr>
+      <p:grpSpPr>
+        <a:xfrm>
+          <a:off x="0" y="0"/>
+          <a:ext cx="0" cy="0"/>
+          <a:chOff x="0" y="0"/>
+          <a:chExt cx="0" cy="0"/>
+        </a:xfrm>
+      </p:grpSpPr>
+      <p:grpSp>
+        <p:nvGrpSpPr>
+          <p:cNvPr id="9" name="Group 8">
+            <a:extLst>
+              <a:ext uri="{FF2B5EF4-FFF2-40B4-BE49-F238E27FC236}">
+                <a16:creationId xmlns:a16="http://schemas.microsoft.com/office/drawing/2014/main" id="{B5B7CE36-1815-FC35-A6E5-80DC3938FA34}"/>
+              </a:ext>
+            </a:extLst>
+          </p:cNvPr>
+          <p:cNvGrpSpPr/>
+          <p:nvPr/>
+        </p:nvGrpSpPr>
+        <p:grpSpPr>
+          <a:xfrm>
+            <a:off x="1732016" y="265538"/>
+            <a:ext cx="3457098" cy="3922005"/>
+            <a:chOff x="1732016" y="265538"/>
+            <a:chExt cx="3457098" cy="3922005"/>
+          </a:xfrm>
+        </p:grpSpPr>
+        <p:pic>
+          <p:nvPicPr>
+            <p:cNvPr id="5" name="Picture 4">
+              <a:extLst>
+                <a:ext uri="{FF2B5EF4-FFF2-40B4-BE49-F238E27FC236}">
+                  <a16:creationId xmlns:a16="http://schemas.microsoft.com/office/drawing/2014/main" id="{743BB5C9-C32C-527E-F808-5F8FB6C2B135}"/>
+                </a:ext>
+              </a:extLst>
+            </p:cNvPr>
+            <p:cNvPicPr>
+              <a:picLocks noChangeAspect="1"/>
+            </p:cNvPicPr>
+            <p:nvPr/>
+          </p:nvPicPr>
+          <p:blipFill>
+            <a:blip r:embed="rId2"/>
+            <a:srcRect b="81283"/>
+            <a:stretch/>
+          </p:blipFill>
+          <p:spPr>
+            <a:xfrm>
+              <a:off x="1732018" y="2068169"/>
+              <a:ext cx="3457096" cy="433618"/>
+            </a:xfrm>
+            <a:prstGeom prst="rect">
+              <a:avLst/>
+            </a:prstGeom>
+          </p:spPr>
+        </p:pic>
+        <p:pic>
+          <p:nvPicPr>
+            <p:cNvPr id="7" name="Picture 6">
+              <a:extLst>
+                <a:ext uri="{FF2B5EF4-FFF2-40B4-BE49-F238E27FC236}">
+                  <a16:creationId xmlns:a16="http://schemas.microsoft.com/office/drawing/2014/main" id="{8BF278AC-6224-81F4-75C7-7726C18F4AB6}"/>
+                </a:ext>
+              </a:extLst>
+            </p:cNvPr>
+            <p:cNvPicPr>
+              <a:picLocks noChangeAspect="1"/>
+            </p:cNvPicPr>
+            <p:nvPr/>
+          </p:nvPicPr>
+          <p:blipFill>
+            <a:blip r:embed="rId3"/>
+            <a:stretch>
+              <a:fillRect/>
+            </a:stretch>
+          </p:blipFill>
+          <p:spPr>
+            <a:xfrm>
+              <a:off x="1732017" y="265538"/>
+              <a:ext cx="3457096" cy="1748647"/>
+            </a:xfrm>
+            <a:prstGeom prst="rect">
+              <a:avLst/>
+            </a:prstGeom>
+          </p:spPr>
+        </p:pic>
+        <p:pic>
+          <p:nvPicPr>
+            <p:cNvPr id="8" name="Picture 7">
+              <a:extLst>
+                <a:ext uri="{FF2B5EF4-FFF2-40B4-BE49-F238E27FC236}">
+                  <a16:creationId xmlns:a16="http://schemas.microsoft.com/office/drawing/2014/main" id="{CB4EBCEF-CECB-1B6B-137D-92008E9323BF}"/>
+                </a:ext>
+              </a:extLst>
+            </p:cNvPr>
+            <p:cNvPicPr>
+              <a:picLocks noChangeAspect="1"/>
+            </p:cNvPicPr>
+            <p:nvPr/>
+          </p:nvPicPr>
+          <p:blipFill>
+            <a:blip r:embed="rId2"/>
+            <a:srcRect l="2252" t="27571" r="3106" b="3559"/>
+            <a:stretch/>
+          </p:blipFill>
+          <p:spPr>
+            <a:xfrm>
+              <a:off x="1732016" y="2501786"/>
+              <a:ext cx="3457095" cy="1685757"/>
+            </a:xfrm>
+            <a:prstGeom prst="rect">
+              <a:avLst/>
+            </a:prstGeom>
+          </p:spPr>
+        </p:pic>
+      </p:grpSp>
+    </p:spTree>
+    <p:extLst>
+      <p:ext uri="{BB962C8B-B14F-4D97-AF65-F5344CB8AC3E}">
+        <p14:creationId xmlns:p14="http://schemas.microsoft.com/office/powerpoint/2010/main" val="1353818138"/>
+      </p:ext>
+    </p:extLst>
+  </p:cSld>
+  <p:clrMapOvr>
+    <a:masterClrMapping/>
+  </p:clrMapOvr>
+</p:sld>
+</file>
+
 <file path=ppt/theme/theme1.xml><?xml version="1.0" encoding="utf-8"?>
 <a:theme xmlns:a="http://schemas.openxmlformats.org/drawingml/2006/main" name="Office Theme">
   <a:themeElements>

--- a/images/image_maker.pptx
+++ b/images/image_maker.pptx
@@ -268,7 +268,7 @@
           <a:p>
             <a:fld id="{C4C33896-74DC-4DC9-8FFE-C8D9D6A25E64}" type="datetimeFigureOut">
               <a:rPr lang="en-SG" smtClean="0"/>
-              <a:t>26/11/2024</a:t>
+              <a:t>27/11/2024</a:t>
             </a:fld>
             <a:endParaRPr lang="en-SG"/>
           </a:p>
@@ -468,7 +468,7 @@
           <a:p>
             <a:fld id="{C4C33896-74DC-4DC9-8FFE-C8D9D6A25E64}" type="datetimeFigureOut">
               <a:rPr lang="en-SG" smtClean="0"/>
-              <a:t>26/11/2024</a:t>
+              <a:t>27/11/2024</a:t>
             </a:fld>
             <a:endParaRPr lang="en-SG"/>
           </a:p>
@@ -678,7 +678,7 @@
           <a:p>
             <a:fld id="{C4C33896-74DC-4DC9-8FFE-C8D9D6A25E64}" type="datetimeFigureOut">
               <a:rPr lang="en-SG" smtClean="0"/>
-              <a:t>26/11/2024</a:t>
+              <a:t>27/11/2024</a:t>
             </a:fld>
             <a:endParaRPr lang="en-SG"/>
           </a:p>
@@ -878,7 +878,7 @@
           <a:p>
             <a:fld id="{C4C33896-74DC-4DC9-8FFE-C8D9D6A25E64}" type="datetimeFigureOut">
               <a:rPr lang="en-SG" smtClean="0"/>
-              <a:t>26/11/2024</a:t>
+              <a:t>27/11/2024</a:t>
             </a:fld>
             <a:endParaRPr lang="en-SG"/>
           </a:p>
@@ -1154,7 +1154,7 @@
           <a:p>
             <a:fld id="{C4C33896-74DC-4DC9-8FFE-C8D9D6A25E64}" type="datetimeFigureOut">
               <a:rPr lang="en-SG" smtClean="0"/>
-              <a:t>26/11/2024</a:t>
+              <a:t>27/11/2024</a:t>
             </a:fld>
             <a:endParaRPr lang="en-SG"/>
           </a:p>
@@ -1422,7 +1422,7 @@
           <a:p>
             <a:fld id="{C4C33896-74DC-4DC9-8FFE-C8D9D6A25E64}" type="datetimeFigureOut">
               <a:rPr lang="en-SG" smtClean="0"/>
-              <a:t>26/11/2024</a:t>
+              <a:t>27/11/2024</a:t>
             </a:fld>
             <a:endParaRPr lang="en-SG"/>
           </a:p>
@@ -1837,7 +1837,7 @@
           <a:p>
             <a:fld id="{C4C33896-74DC-4DC9-8FFE-C8D9D6A25E64}" type="datetimeFigureOut">
               <a:rPr lang="en-SG" smtClean="0"/>
-              <a:t>26/11/2024</a:t>
+              <a:t>27/11/2024</a:t>
             </a:fld>
             <a:endParaRPr lang="en-SG"/>
           </a:p>
@@ -1979,7 +1979,7 @@
           <a:p>
             <a:fld id="{C4C33896-74DC-4DC9-8FFE-C8D9D6A25E64}" type="datetimeFigureOut">
               <a:rPr lang="en-SG" smtClean="0"/>
-              <a:t>26/11/2024</a:t>
+              <a:t>27/11/2024</a:t>
             </a:fld>
             <a:endParaRPr lang="en-SG"/>
           </a:p>
@@ -2092,7 +2092,7 @@
           <a:p>
             <a:fld id="{C4C33896-74DC-4DC9-8FFE-C8D9D6A25E64}" type="datetimeFigureOut">
               <a:rPr lang="en-SG" smtClean="0"/>
-              <a:t>26/11/2024</a:t>
+              <a:t>27/11/2024</a:t>
             </a:fld>
             <a:endParaRPr lang="en-SG"/>
           </a:p>
@@ -2405,7 +2405,7 @@
           <a:p>
             <a:fld id="{C4C33896-74DC-4DC9-8FFE-C8D9D6A25E64}" type="datetimeFigureOut">
               <a:rPr lang="en-SG" smtClean="0"/>
-              <a:t>26/11/2024</a:t>
+              <a:t>27/11/2024</a:t>
             </a:fld>
             <a:endParaRPr lang="en-SG"/>
           </a:p>
@@ -2694,7 +2694,7 @@
           <a:p>
             <a:fld id="{C4C33896-74DC-4DC9-8FFE-C8D9D6A25E64}" type="datetimeFigureOut">
               <a:rPr lang="en-SG" smtClean="0"/>
-              <a:t>26/11/2024</a:t>
+              <a:t>27/11/2024</a:t>
             </a:fld>
             <a:endParaRPr lang="en-SG"/>
           </a:p>
@@ -2937,7 +2937,7 @@
           <a:p>
             <a:fld id="{C4C33896-74DC-4DC9-8FFE-C8D9D6A25E64}" type="datetimeFigureOut">
               <a:rPr lang="en-SG" smtClean="0"/>
-              <a:t>26/11/2024</a:t>
+              <a:t>27/11/2024</a:t>
             </a:fld>
             <a:endParaRPr lang="en-SG"/>
           </a:p>
@@ -4477,10 +4477,10 @@
       </p:grpSpPr>
       <p:grpSp>
         <p:nvGrpSpPr>
-          <p:cNvPr id="33" name="Group 32">
-            <a:extLst>
-              <a:ext uri="{FF2B5EF4-FFF2-40B4-BE49-F238E27FC236}">
-                <a16:creationId xmlns:a16="http://schemas.microsoft.com/office/drawing/2014/main" id="{A4556FEF-0E53-39A2-2437-DE9DBD79387D}"/>
+          <p:cNvPr id="11" name="Group 10">
+            <a:extLst>
+              <a:ext uri="{FF2B5EF4-FFF2-40B4-BE49-F238E27FC236}">
+                <a16:creationId xmlns:a16="http://schemas.microsoft.com/office/drawing/2014/main" id="{E48078F0-B150-3604-BE46-B5C57141C221}"/>
               </a:ext>
             </a:extLst>
           </p:cNvPr>
@@ -4495,41 +4495,6 @@
             <a:chExt cx="11365775" cy="4338653"/>
           </a:xfrm>
         </p:grpSpPr>
-        <p:pic>
-          <p:nvPicPr>
-            <p:cNvPr id="5" name="Picture 4">
-              <a:extLst>
-                <a:ext uri="{FF2B5EF4-FFF2-40B4-BE49-F238E27FC236}">
-                  <a16:creationId xmlns:a16="http://schemas.microsoft.com/office/drawing/2014/main" id="{685714A5-DC3C-84B5-9DFB-57FBF0A5F5BE}"/>
-                </a:ext>
-              </a:extLst>
-            </p:cNvPr>
-            <p:cNvPicPr>
-              <a:picLocks noChangeAspect="1"/>
-            </p:cNvPicPr>
-            <p:nvPr/>
-          </p:nvPicPr>
-          <p:blipFill>
-            <a:blip r:embed="rId2">
-              <a:extLst>
-                <a:ext uri="{28A0092B-C50C-407E-A947-70E740481C1C}">
-                  <a14:useLocalDpi xmlns:a14="http://schemas.microsoft.com/office/drawing/2010/main" val="0"/>
-                </a:ext>
-              </a:extLst>
-            </a:blip>
-            <a:srcRect r="50089"/>
-            <a:stretch/>
-          </p:blipFill>
-          <p:spPr>
-            <a:xfrm>
-              <a:off x="216743" y="4458011"/>
-              <a:ext cx="5760423" cy="1315348"/>
-            </a:xfrm>
-            <a:prstGeom prst="rect">
-              <a:avLst/>
-            </a:prstGeom>
-          </p:spPr>
-        </p:pic>
         <p:pic>
           <p:nvPicPr>
             <p:cNvPr id="22" name="Picture 21">
@@ -4545,7 +4510,7 @@
             <p:nvPr/>
           </p:nvPicPr>
           <p:blipFill>
-            <a:blip r:embed="rId3"/>
+            <a:blip r:embed="rId2"/>
             <a:srcRect t="6485"/>
             <a:stretch/>
           </p:blipFill>
@@ -4574,7 +4539,7 @@
             <p:nvPr/>
           </p:nvPicPr>
           <p:blipFill>
-            <a:blip r:embed="rId4"/>
+            <a:blip r:embed="rId3"/>
             <a:stretch>
               <a:fillRect/>
             </a:stretch>
@@ -4604,7 +4569,7 @@
             <p:nvPr/>
           </p:nvPicPr>
           <p:blipFill>
-            <a:blip r:embed="rId5"/>
+            <a:blip r:embed="rId4"/>
             <a:stretch>
               <a:fillRect/>
             </a:stretch>
@@ -4634,7 +4599,7 @@
             <p:nvPr/>
           </p:nvPicPr>
           <p:blipFill>
-            <a:blip r:embed="rId6"/>
+            <a:blip r:embed="rId5"/>
             <a:stretch>
               <a:fillRect/>
             </a:stretch>
@@ -4643,6 +4608,36 @@
             <a:xfrm>
               <a:off x="6143508" y="1887794"/>
               <a:ext cx="5379591" cy="3898046"/>
+            </a:xfrm>
+            <a:prstGeom prst="rect">
+              <a:avLst/>
+            </a:prstGeom>
+          </p:spPr>
+        </p:pic>
+        <p:pic>
+          <p:nvPicPr>
+            <p:cNvPr id="10" name="Picture 9">
+              <a:extLst>
+                <a:ext uri="{FF2B5EF4-FFF2-40B4-BE49-F238E27FC236}">
+                  <a16:creationId xmlns:a16="http://schemas.microsoft.com/office/drawing/2014/main" id="{BBAC83EB-8BCF-A195-05E3-25A49E7FA44F}"/>
+                </a:ext>
+              </a:extLst>
+            </p:cNvPr>
+            <p:cNvPicPr>
+              <a:picLocks noChangeAspect="1"/>
+            </p:cNvPicPr>
+            <p:nvPr/>
+          </p:nvPicPr>
+          <p:blipFill>
+            <a:blip r:embed="rId6"/>
+            <a:stretch>
+              <a:fillRect/>
+            </a:stretch>
+          </p:blipFill>
+          <p:spPr>
+            <a:xfrm>
+              <a:off x="216743" y="4431738"/>
+              <a:ext cx="5760424" cy="1354102"/>
             </a:xfrm>
             <a:prstGeom prst="rect">
               <a:avLst/>

--- a/images/image_maker.pptx
+++ b/images/image_maker.pptx
@@ -268,7 +268,7 @@
           <a:p>
             <a:fld id="{C4C33896-74DC-4DC9-8FFE-C8D9D6A25E64}" type="datetimeFigureOut">
               <a:rPr lang="en-SG" smtClean="0"/>
-              <a:t>27/11/2024</a:t>
+              <a:t>28/11/2024</a:t>
             </a:fld>
             <a:endParaRPr lang="en-SG"/>
           </a:p>
@@ -468,7 +468,7 @@
           <a:p>
             <a:fld id="{C4C33896-74DC-4DC9-8FFE-C8D9D6A25E64}" type="datetimeFigureOut">
               <a:rPr lang="en-SG" smtClean="0"/>
-              <a:t>27/11/2024</a:t>
+              <a:t>28/11/2024</a:t>
             </a:fld>
             <a:endParaRPr lang="en-SG"/>
           </a:p>
@@ -678,7 +678,7 @@
           <a:p>
             <a:fld id="{C4C33896-74DC-4DC9-8FFE-C8D9D6A25E64}" type="datetimeFigureOut">
               <a:rPr lang="en-SG" smtClean="0"/>
-              <a:t>27/11/2024</a:t>
+              <a:t>28/11/2024</a:t>
             </a:fld>
             <a:endParaRPr lang="en-SG"/>
           </a:p>
@@ -878,7 +878,7 @@
           <a:p>
             <a:fld id="{C4C33896-74DC-4DC9-8FFE-C8D9D6A25E64}" type="datetimeFigureOut">
               <a:rPr lang="en-SG" smtClean="0"/>
-              <a:t>27/11/2024</a:t>
+              <a:t>28/11/2024</a:t>
             </a:fld>
             <a:endParaRPr lang="en-SG"/>
           </a:p>
@@ -1154,7 +1154,7 @@
           <a:p>
             <a:fld id="{C4C33896-74DC-4DC9-8FFE-C8D9D6A25E64}" type="datetimeFigureOut">
               <a:rPr lang="en-SG" smtClean="0"/>
-              <a:t>27/11/2024</a:t>
+              <a:t>28/11/2024</a:t>
             </a:fld>
             <a:endParaRPr lang="en-SG"/>
           </a:p>
@@ -1422,7 +1422,7 @@
           <a:p>
             <a:fld id="{C4C33896-74DC-4DC9-8FFE-C8D9D6A25E64}" type="datetimeFigureOut">
               <a:rPr lang="en-SG" smtClean="0"/>
-              <a:t>27/11/2024</a:t>
+              <a:t>28/11/2024</a:t>
             </a:fld>
             <a:endParaRPr lang="en-SG"/>
           </a:p>
@@ -1837,7 +1837,7 @@
           <a:p>
             <a:fld id="{C4C33896-74DC-4DC9-8FFE-C8D9D6A25E64}" type="datetimeFigureOut">
               <a:rPr lang="en-SG" smtClean="0"/>
-              <a:t>27/11/2024</a:t>
+              <a:t>28/11/2024</a:t>
             </a:fld>
             <a:endParaRPr lang="en-SG"/>
           </a:p>
@@ -1979,7 +1979,7 @@
           <a:p>
             <a:fld id="{C4C33896-74DC-4DC9-8FFE-C8D9D6A25E64}" type="datetimeFigureOut">
               <a:rPr lang="en-SG" smtClean="0"/>
-              <a:t>27/11/2024</a:t>
+              <a:t>28/11/2024</a:t>
             </a:fld>
             <a:endParaRPr lang="en-SG"/>
           </a:p>
@@ -2092,7 +2092,7 @@
           <a:p>
             <a:fld id="{C4C33896-74DC-4DC9-8FFE-C8D9D6A25E64}" type="datetimeFigureOut">
               <a:rPr lang="en-SG" smtClean="0"/>
-              <a:t>27/11/2024</a:t>
+              <a:t>28/11/2024</a:t>
             </a:fld>
             <a:endParaRPr lang="en-SG"/>
           </a:p>
@@ -2405,7 +2405,7 @@
           <a:p>
             <a:fld id="{C4C33896-74DC-4DC9-8FFE-C8D9D6A25E64}" type="datetimeFigureOut">
               <a:rPr lang="en-SG" smtClean="0"/>
-              <a:t>27/11/2024</a:t>
+              <a:t>28/11/2024</a:t>
             </a:fld>
             <a:endParaRPr lang="en-SG"/>
           </a:p>
@@ -2694,7 +2694,7 @@
           <a:p>
             <a:fld id="{C4C33896-74DC-4DC9-8FFE-C8D9D6A25E64}" type="datetimeFigureOut">
               <a:rPr lang="en-SG" smtClean="0"/>
-              <a:t>27/11/2024</a:t>
+              <a:t>28/11/2024</a:t>
             </a:fld>
             <a:endParaRPr lang="en-SG"/>
           </a:p>
@@ -2937,7 +2937,7 @@
           <a:p>
             <a:fld id="{C4C33896-74DC-4DC9-8FFE-C8D9D6A25E64}" type="datetimeFigureOut">
               <a:rPr lang="en-SG" smtClean="0"/>
-              <a:t>27/11/2024</a:t>
+              <a:t>28/11/2024</a:t>
             </a:fld>
             <a:endParaRPr lang="en-SG"/>
           </a:p>
@@ -3354,12 +3354,42 @@
           <a:chExt cx="0" cy="0"/>
         </a:xfrm>
       </p:grpSpPr>
+      <p:pic>
+        <p:nvPicPr>
+          <p:cNvPr id="30" name="Picture 29">
+            <a:extLst>
+              <a:ext uri="{FF2B5EF4-FFF2-40B4-BE49-F238E27FC236}">
+                <a16:creationId xmlns:a16="http://schemas.microsoft.com/office/drawing/2014/main" id="{F57E5FC8-C720-2FAA-80C8-DC7D117D857A}"/>
+              </a:ext>
+            </a:extLst>
+          </p:cNvPr>
+          <p:cNvPicPr>
+            <a:picLocks noChangeAspect="1"/>
+          </p:cNvPicPr>
+          <p:nvPr/>
+        </p:nvPicPr>
+        <p:blipFill>
+          <a:blip r:embed="rId2"/>
+          <a:stretch>
+            <a:fillRect/>
+          </a:stretch>
+        </p:blipFill>
+        <p:spPr>
+          <a:xfrm rot="785448">
+            <a:off x="2230794" y="3100333"/>
+            <a:ext cx="5674083" cy="2769207"/>
+          </a:xfrm>
+          <a:prstGeom prst="rect">
+            <a:avLst/>
+          </a:prstGeom>
+        </p:spPr>
+      </p:pic>
       <p:grpSp>
         <p:nvGrpSpPr>
-          <p:cNvPr id="33" name="Group 32">
-            <a:extLst>
-              <a:ext uri="{FF2B5EF4-FFF2-40B4-BE49-F238E27FC236}">
-                <a16:creationId xmlns:a16="http://schemas.microsoft.com/office/drawing/2014/main" id="{1EC2638F-CDFC-3007-3AE0-B567C673067A}"/>
+          <p:cNvPr id="4" name="Group 3">
+            <a:extLst>
+              <a:ext uri="{FF2B5EF4-FFF2-40B4-BE49-F238E27FC236}">
+                <a16:creationId xmlns:a16="http://schemas.microsoft.com/office/drawing/2014/main" id="{1D3B4FD8-A6E6-AB17-1F07-B7555B3AFCEB}"/>
               </a:ext>
             </a:extLst>
           </p:cNvPr>
@@ -3368,10 +3398,10 @@
         </p:nvGrpSpPr>
         <p:grpSpPr>
           <a:xfrm>
-            <a:off x="962257" y="801826"/>
-            <a:ext cx="10092710" cy="5067714"/>
-            <a:chOff x="962257" y="801826"/>
-            <a:chExt cx="10092710" cy="5067714"/>
+            <a:off x="1030976" y="801826"/>
+            <a:ext cx="9903851" cy="4997722"/>
+            <a:chOff x="1030976" y="801826"/>
+            <a:chExt cx="9903851" cy="4997722"/>
           </a:xfrm>
         </p:grpSpPr>
         <p:pic>
@@ -3389,7 +3419,7 @@
             <p:nvPr/>
           </p:nvPicPr>
           <p:blipFill>
-            <a:blip r:embed="rId2"/>
+            <a:blip r:embed="rId3"/>
             <a:stretch>
               <a:fillRect/>
             </a:stretch>
@@ -3406,10 +3436,10 @@
         </p:pic>
         <p:pic>
           <p:nvPicPr>
-            <p:cNvPr id="28" name="Picture 27">
+            <p:cNvPr id="3" name="Picture 2">
               <a:extLst>
                 <a:ext uri="{FF2B5EF4-FFF2-40B4-BE49-F238E27FC236}">
-                  <a16:creationId xmlns:a16="http://schemas.microsoft.com/office/drawing/2014/main" id="{58F68103-877A-7161-1443-1A58F16B20B9}"/>
+                  <a16:creationId xmlns:a16="http://schemas.microsoft.com/office/drawing/2014/main" id="{2CA7BF9A-4221-6F18-BB89-FF650CCC35CE}"/>
                 </a:ext>
               </a:extLst>
             </p:cNvPr>
@@ -3419,15 +3449,15 @@
             <p:nvPr/>
           </p:nvPicPr>
           <p:blipFill>
-            <a:blip r:embed="rId3"/>
+            <a:blip r:embed="rId4"/>
             <a:stretch>
               <a:fillRect/>
             </a:stretch>
           </p:blipFill>
           <p:spPr>
-            <a:xfrm rot="20569484">
-              <a:off x="962257" y="1198481"/>
-              <a:ext cx="5335633" cy="2870104"/>
+            <a:xfrm rot="20503620">
+              <a:off x="1030976" y="1280563"/>
+              <a:ext cx="4010103" cy="2827087"/>
             </a:xfrm>
             <a:prstGeom prst="rect">
               <a:avLst/>
@@ -3449,7 +3479,7 @@
             <p:nvPr/>
           </p:nvPicPr>
           <p:blipFill>
-            <a:blip r:embed="rId4"/>
+            <a:blip r:embed="rId5"/>
             <a:stretch>
               <a:fillRect/>
             </a:stretch>
@@ -3479,7 +3509,7 @@
             <p:nvPr/>
           </p:nvPicPr>
           <p:blipFill>
-            <a:blip r:embed="rId5"/>
+            <a:blip r:embed="rId6"/>
             <a:stretch>
               <a:fillRect/>
             </a:stretch>
@@ -3509,7 +3539,7 @@
             <p:nvPr/>
           </p:nvPicPr>
           <p:blipFill>
-            <a:blip r:embed="rId6"/>
+            <a:blip r:embed="rId7"/>
             <a:stretch>
               <a:fillRect/>
             </a:stretch>
@@ -3539,7 +3569,7 @@
             <p:nvPr/>
           </p:nvPicPr>
           <p:blipFill>
-            <a:blip r:embed="rId7">
+            <a:blip r:embed="rId8">
               <a:extLst>
                 <a:ext uri="{28A0092B-C50C-407E-A947-70E740481C1C}">
                   <a14:useLocalDpi xmlns:a14="http://schemas.microsoft.com/office/drawing/2010/main" val="0"/>
@@ -3554,36 +3584,6 @@
             <a:xfrm rot="20241359">
               <a:off x="6213318" y="2975290"/>
               <a:ext cx="4721509" cy="2589215"/>
-            </a:xfrm>
-            <a:prstGeom prst="rect">
-              <a:avLst/>
-            </a:prstGeom>
-          </p:spPr>
-        </p:pic>
-        <p:pic>
-          <p:nvPicPr>
-            <p:cNvPr id="30" name="Picture 29">
-              <a:extLst>
-                <a:ext uri="{FF2B5EF4-FFF2-40B4-BE49-F238E27FC236}">
-                  <a16:creationId xmlns:a16="http://schemas.microsoft.com/office/drawing/2014/main" id="{F57E5FC8-C720-2FAA-80C8-DC7D117D857A}"/>
-                </a:ext>
-              </a:extLst>
-            </p:cNvPr>
-            <p:cNvPicPr>
-              <a:picLocks noChangeAspect="1"/>
-            </p:cNvPicPr>
-            <p:nvPr/>
-          </p:nvPicPr>
-          <p:blipFill>
-            <a:blip r:embed="rId8"/>
-            <a:stretch>
-              <a:fillRect/>
-            </a:stretch>
-          </p:blipFill>
-          <p:spPr>
-            <a:xfrm rot="785448">
-              <a:off x="2230794" y="3100333"/>
-              <a:ext cx="5674083" cy="2769207"/>
             </a:xfrm>
             <a:prstGeom prst="rect">
               <a:avLst/>
@@ -3620,37 +3620,37 @@
             </a:prstGeom>
           </p:spPr>
         </p:pic>
-        <p:pic>
-          <p:nvPicPr>
-            <p:cNvPr id="26" name="Picture 25">
-              <a:extLst>
-                <a:ext uri="{FF2B5EF4-FFF2-40B4-BE49-F238E27FC236}">
-                  <a16:creationId xmlns:a16="http://schemas.microsoft.com/office/drawing/2014/main" id="{67766C8E-21A0-D1EF-1920-7C0873D72FB4}"/>
-                </a:ext>
-              </a:extLst>
-            </p:cNvPr>
-            <p:cNvPicPr>
-              <a:picLocks noChangeAspect="1"/>
-            </p:cNvPicPr>
-            <p:nvPr/>
-          </p:nvPicPr>
-          <p:blipFill>
-            <a:blip r:embed="rId10"/>
-            <a:stretch>
-              <a:fillRect/>
-            </a:stretch>
-          </p:blipFill>
-          <p:spPr>
-            <a:xfrm rot="1890379">
-              <a:off x="6388843" y="1505954"/>
-              <a:ext cx="4666124" cy="2681853"/>
-            </a:xfrm>
-            <a:prstGeom prst="rect">
-              <a:avLst/>
-            </a:prstGeom>
-          </p:spPr>
-        </p:pic>
       </p:grpSp>
+      <p:pic>
+        <p:nvPicPr>
+          <p:cNvPr id="26" name="Picture 25">
+            <a:extLst>
+              <a:ext uri="{FF2B5EF4-FFF2-40B4-BE49-F238E27FC236}">
+                <a16:creationId xmlns:a16="http://schemas.microsoft.com/office/drawing/2014/main" id="{67766C8E-21A0-D1EF-1920-7C0873D72FB4}"/>
+              </a:ext>
+            </a:extLst>
+          </p:cNvPr>
+          <p:cNvPicPr>
+            <a:picLocks noChangeAspect="1"/>
+          </p:cNvPicPr>
+          <p:nvPr/>
+        </p:nvPicPr>
+        <p:blipFill>
+          <a:blip r:embed="rId10"/>
+          <a:stretch>
+            <a:fillRect/>
+          </a:stretch>
+        </p:blipFill>
+        <p:spPr>
+          <a:xfrm rot="1890379">
+            <a:off x="6388843" y="1505954"/>
+            <a:ext cx="4666124" cy="2681853"/>
+          </a:xfrm>
+          <a:prstGeom prst="rect">
+            <a:avLst/>
+          </a:prstGeom>
+        </p:spPr>
+      </p:pic>
     </p:spTree>
     <p:extLst>
       <p:ext uri="{BB962C8B-B14F-4D97-AF65-F5344CB8AC3E}">
@@ -4477,10 +4477,10 @@
       </p:grpSpPr>
       <p:grpSp>
         <p:nvGrpSpPr>
-          <p:cNvPr id="11" name="Group 10">
-            <a:extLst>
-              <a:ext uri="{FF2B5EF4-FFF2-40B4-BE49-F238E27FC236}">
-                <a16:creationId xmlns:a16="http://schemas.microsoft.com/office/drawing/2014/main" id="{E48078F0-B150-3604-BE46-B5C57141C221}"/>
+          <p:cNvPr id="4" name="Group 3">
+            <a:extLst>
+              <a:ext uri="{FF2B5EF4-FFF2-40B4-BE49-F238E27FC236}">
+                <a16:creationId xmlns:a16="http://schemas.microsoft.com/office/drawing/2014/main" id="{A11F3670-EFBB-2E90-CCC8-39497FFF8449}"/>
               </a:ext>
             </a:extLst>
           </p:cNvPr>
@@ -4586,10 +4586,10 @@
         </p:pic>
         <p:pic>
           <p:nvPicPr>
-            <p:cNvPr id="32" name="Picture 31">
+            <p:cNvPr id="10" name="Picture 9">
               <a:extLst>
                 <a:ext uri="{FF2B5EF4-FFF2-40B4-BE49-F238E27FC236}">
-                  <a16:creationId xmlns:a16="http://schemas.microsoft.com/office/drawing/2014/main" id="{DAF77D1F-8DAA-8A7A-8338-91CFC4C126C7}"/>
+                  <a16:creationId xmlns:a16="http://schemas.microsoft.com/office/drawing/2014/main" id="{BBAC83EB-8BCF-A195-05E3-25A49E7FA44F}"/>
                 </a:ext>
               </a:extLst>
             </p:cNvPr>
@@ -4606,8 +4606,8 @@
           </p:blipFill>
           <p:spPr>
             <a:xfrm>
-              <a:off x="6143508" y="1887794"/>
-              <a:ext cx="5379591" cy="3898046"/>
+              <a:off x="216743" y="4431738"/>
+              <a:ext cx="5760424" cy="1354102"/>
             </a:xfrm>
             <a:prstGeom prst="rect">
               <a:avLst/>
@@ -4616,10 +4616,10 @@
         </p:pic>
         <p:pic>
           <p:nvPicPr>
-            <p:cNvPr id="10" name="Picture 9">
+            <p:cNvPr id="3" name="Picture 2">
               <a:extLst>
                 <a:ext uri="{FF2B5EF4-FFF2-40B4-BE49-F238E27FC236}">
-                  <a16:creationId xmlns:a16="http://schemas.microsoft.com/office/drawing/2014/main" id="{BBAC83EB-8BCF-A195-05E3-25A49E7FA44F}"/>
+                  <a16:creationId xmlns:a16="http://schemas.microsoft.com/office/drawing/2014/main" id="{0F4EB2BB-F1D9-A723-3376-0FFBD0AC58DD}"/>
                 </a:ext>
               </a:extLst>
             </p:cNvPr>
@@ -4636,8 +4636,8 @@
           </p:blipFill>
           <p:spPr>
             <a:xfrm>
-              <a:off x="216743" y="4431738"/>
-              <a:ext cx="5760424" cy="1354102"/>
+              <a:off x="6143508" y="1887794"/>
+              <a:ext cx="5379593" cy="3792565"/>
             </a:xfrm>
             <a:prstGeom prst="rect">
               <a:avLst/>

--- a/images/image_maker.pptx
+++ b/images/image_maker.pptx
@@ -3354,42 +3354,12 @@
           <a:chExt cx="0" cy="0"/>
         </a:xfrm>
       </p:grpSpPr>
-      <p:pic>
-        <p:nvPicPr>
-          <p:cNvPr id="30" name="Picture 29">
-            <a:extLst>
-              <a:ext uri="{FF2B5EF4-FFF2-40B4-BE49-F238E27FC236}">
-                <a16:creationId xmlns:a16="http://schemas.microsoft.com/office/drawing/2014/main" id="{F57E5FC8-C720-2FAA-80C8-DC7D117D857A}"/>
-              </a:ext>
-            </a:extLst>
-          </p:cNvPr>
-          <p:cNvPicPr>
-            <a:picLocks noChangeAspect="1"/>
-          </p:cNvPicPr>
-          <p:nvPr/>
-        </p:nvPicPr>
-        <p:blipFill>
-          <a:blip r:embed="rId2"/>
-          <a:stretch>
-            <a:fillRect/>
-          </a:stretch>
-        </p:blipFill>
-        <p:spPr>
-          <a:xfrm rot="785448">
-            <a:off x="2230794" y="3100333"/>
-            <a:ext cx="5674083" cy="2769207"/>
-          </a:xfrm>
-          <a:prstGeom prst="rect">
-            <a:avLst/>
-          </a:prstGeom>
-        </p:spPr>
-      </p:pic>
       <p:grpSp>
         <p:nvGrpSpPr>
-          <p:cNvPr id="4" name="Group 3">
-            <a:extLst>
-              <a:ext uri="{FF2B5EF4-FFF2-40B4-BE49-F238E27FC236}">
-                <a16:creationId xmlns:a16="http://schemas.microsoft.com/office/drawing/2014/main" id="{1D3B4FD8-A6E6-AB17-1F07-B7555B3AFCEB}"/>
+          <p:cNvPr id="2" name="Group 1">
+            <a:extLst>
+              <a:ext uri="{FF2B5EF4-FFF2-40B4-BE49-F238E27FC236}">
+                <a16:creationId xmlns:a16="http://schemas.microsoft.com/office/drawing/2014/main" id="{D63C5C29-2E3A-05A3-8547-3887BC589CB2}"/>
               </a:ext>
             </a:extLst>
           </p:cNvPr>
@@ -3399,11 +3369,41 @@
         <p:grpSpPr>
           <a:xfrm>
             <a:off x="1030976" y="801826"/>
-            <a:ext cx="9903851" cy="4997722"/>
+            <a:ext cx="10023991" cy="5067714"/>
             <a:chOff x="1030976" y="801826"/>
-            <a:chExt cx="9903851" cy="4997722"/>
+            <a:chExt cx="10023991" cy="5067714"/>
           </a:xfrm>
         </p:grpSpPr>
+        <p:pic>
+          <p:nvPicPr>
+            <p:cNvPr id="30" name="Picture 29">
+              <a:extLst>
+                <a:ext uri="{FF2B5EF4-FFF2-40B4-BE49-F238E27FC236}">
+                  <a16:creationId xmlns:a16="http://schemas.microsoft.com/office/drawing/2014/main" id="{F57E5FC8-C720-2FAA-80C8-DC7D117D857A}"/>
+                </a:ext>
+              </a:extLst>
+            </p:cNvPr>
+            <p:cNvPicPr>
+              <a:picLocks noChangeAspect="1"/>
+            </p:cNvPicPr>
+            <p:nvPr/>
+          </p:nvPicPr>
+          <p:blipFill>
+            <a:blip r:embed="rId2"/>
+            <a:stretch>
+              <a:fillRect/>
+            </a:stretch>
+          </p:blipFill>
+          <p:spPr>
+            <a:xfrm rot="785448">
+              <a:off x="2230794" y="3100333"/>
+              <a:ext cx="5674083" cy="2769207"/>
+            </a:xfrm>
+            <a:prstGeom prst="rect">
+              <a:avLst/>
+            </a:prstGeom>
+          </p:spPr>
+        </p:pic>
         <p:pic>
           <p:nvPicPr>
             <p:cNvPr id="20" name="Picture 19">
@@ -3620,37 +3620,37 @@
             </a:prstGeom>
           </p:spPr>
         </p:pic>
+        <p:pic>
+          <p:nvPicPr>
+            <p:cNvPr id="26" name="Picture 25">
+              <a:extLst>
+                <a:ext uri="{FF2B5EF4-FFF2-40B4-BE49-F238E27FC236}">
+                  <a16:creationId xmlns:a16="http://schemas.microsoft.com/office/drawing/2014/main" id="{67766C8E-21A0-D1EF-1920-7C0873D72FB4}"/>
+                </a:ext>
+              </a:extLst>
+            </p:cNvPr>
+            <p:cNvPicPr>
+              <a:picLocks noChangeAspect="1"/>
+            </p:cNvPicPr>
+            <p:nvPr/>
+          </p:nvPicPr>
+          <p:blipFill>
+            <a:blip r:embed="rId10"/>
+            <a:stretch>
+              <a:fillRect/>
+            </a:stretch>
+          </p:blipFill>
+          <p:spPr>
+            <a:xfrm rot="1890379">
+              <a:off x="6388843" y="1505954"/>
+              <a:ext cx="4666124" cy="2681853"/>
+            </a:xfrm>
+            <a:prstGeom prst="rect">
+              <a:avLst/>
+            </a:prstGeom>
+          </p:spPr>
+        </p:pic>
       </p:grpSp>
-      <p:pic>
-        <p:nvPicPr>
-          <p:cNvPr id="26" name="Picture 25">
-            <a:extLst>
-              <a:ext uri="{FF2B5EF4-FFF2-40B4-BE49-F238E27FC236}">
-                <a16:creationId xmlns:a16="http://schemas.microsoft.com/office/drawing/2014/main" id="{67766C8E-21A0-D1EF-1920-7C0873D72FB4}"/>
-              </a:ext>
-            </a:extLst>
-          </p:cNvPr>
-          <p:cNvPicPr>
-            <a:picLocks noChangeAspect="1"/>
-          </p:cNvPicPr>
-          <p:nvPr/>
-        </p:nvPicPr>
-        <p:blipFill>
-          <a:blip r:embed="rId10"/>
-          <a:stretch>
-            <a:fillRect/>
-          </a:stretch>
-        </p:blipFill>
-        <p:spPr>
-          <a:xfrm rot="1890379">
-            <a:off x="6388843" y="1505954"/>
-            <a:ext cx="4666124" cy="2681853"/>
-          </a:xfrm>
-          <a:prstGeom prst="rect">
-            <a:avLst/>
-          </a:prstGeom>
-        </p:spPr>
-      </p:pic>
     </p:spTree>
     <p:extLst>
       <p:ext uri="{BB962C8B-B14F-4D97-AF65-F5344CB8AC3E}">
